--- a/figures/generatedcodebig.pptx
+++ b/figures/generatedcodebig.pptx
@@ -243,7 +243,7 @@
           <a:p>
             <a:fld id="{E5DE04F2-25C7-4C54-8AAB-7CFC61091A8E}" type="datetimeFigureOut">
               <a:rPr lang="fr-FR" smtClean="0"/>
-              <a:t>10/08/2016</a:t>
+              <a:t>26/08/2016</a:t>
             </a:fld>
             <a:endParaRPr lang="fr-FR"/>
           </a:p>
@@ -413,7 +413,7 @@
           <a:p>
             <a:fld id="{E5DE04F2-25C7-4C54-8AAB-7CFC61091A8E}" type="datetimeFigureOut">
               <a:rPr lang="fr-FR" smtClean="0"/>
-              <a:t>10/08/2016</a:t>
+              <a:t>26/08/2016</a:t>
             </a:fld>
             <a:endParaRPr lang="fr-FR"/>
           </a:p>
@@ -593,7 +593,7 @@
           <a:p>
             <a:fld id="{E5DE04F2-25C7-4C54-8AAB-7CFC61091A8E}" type="datetimeFigureOut">
               <a:rPr lang="fr-FR" smtClean="0"/>
-              <a:t>10/08/2016</a:t>
+              <a:t>26/08/2016</a:t>
             </a:fld>
             <a:endParaRPr lang="fr-FR"/>
           </a:p>
@@ -763,7 +763,7 @@
           <a:p>
             <a:fld id="{E5DE04F2-25C7-4C54-8AAB-7CFC61091A8E}" type="datetimeFigureOut">
               <a:rPr lang="fr-FR" smtClean="0"/>
-              <a:t>10/08/2016</a:t>
+              <a:t>26/08/2016</a:t>
             </a:fld>
             <a:endParaRPr lang="fr-FR"/>
           </a:p>
@@ -1009,7 +1009,7 @@
           <a:p>
             <a:fld id="{E5DE04F2-25C7-4C54-8AAB-7CFC61091A8E}" type="datetimeFigureOut">
               <a:rPr lang="fr-FR" smtClean="0"/>
-              <a:t>10/08/2016</a:t>
+              <a:t>26/08/2016</a:t>
             </a:fld>
             <a:endParaRPr lang="fr-FR"/>
           </a:p>
@@ -1241,7 +1241,7 @@
           <a:p>
             <a:fld id="{E5DE04F2-25C7-4C54-8AAB-7CFC61091A8E}" type="datetimeFigureOut">
               <a:rPr lang="fr-FR" smtClean="0"/>
-              <a:t>10/08/2016</a:t>
+              <a:t>26/08/2016</a:t>
             </a:fld>
             <a:endParaRPr lang="fr-FR"/>
           </a:p>
@@ -1608,7 +1608,7 @@
           <a:p>
             <a:fld id="{E5DE04F2-25C7-4C54-8AAB-7CFC61091A8E}" type="datetimeFigureOut">
               <a:rPr lang="fr-FR" smtClean="0"/>
-              <a:t>10/08/2016</a:t>
+              <a:t>26/08/2016</a:t>
             </a:fld>
             <a:endParaRPr lang="fr-FR"/>
           </a:p>
@@ -1726,7 +1726,7 @@
           <a:p>
             <a:fld id="{E5DE04F2-25C7-4C54-8AAB-7CFC61091A8E}" type="datetimeFigureOut">
               <a:rPr lang="fr-FR" smtClean="0"/>
-              <a:t>10/08/2016</a:t>
+              <a:t>26/08/2016</a:t>
             </a:fld>
             <a:endParaRPr lang="fr-FR"/>
           </a:p>
@@ -1821,7 +1821,7 @@
           <a:p>
             <a:fld id="{E5DE04F2-25C7-4C54-8AAB-7CFC61091A8E}" type="datetimeFigureOut">
               <a:rPr lang="fr-FR" smtClean="0"/>
-              <a:t>10/08/2016</a:t>
+              <a:t>26/08/2016</a:t>
             </a:fld>
             <a:endParaRPr lang="fr-FR"/>
           </a:p>
@@ -2098,7 +2098,7 @@
           <a:p>
             <a:fld id="{E5DE04F2-25C7-4C54-8AAB-7CFC61091A8E}" type="datetimeFigureOut">
               <a:rPr lang="fr-FR" smtClean="0"/>
-              <a:t>10/08/2016</a:t>
+              <a:t>26/08/2016</a:t>
             </a:fld>
             <a:endParaRPr lang="fr-FR"/>
           </a:p>
@@ -2351,7 +2351,7 @@
           <a:p>
             <a:fld id="{E5DE04F2-25C7-4C54-8AAB-7CFC61091A8E}" type="datetimeFigureOut">
               <a:rPr lang="fr-FR" smtClean="0"/>
-              <a:t>10/08/2016</a:t>
+              <a:t>26/08/2016</a:t>
             </a:fld>
             <a:endParaRPr lang="fr-FR"/>
           </a:p>
@@ -2564,7 +2564,7 @@
           <a:p>
             <a:fld id="{E5DE04F2-25C7-4C54-8AAB-7CFC61091A8E}" type="datetimeFigureOut">
               <a:rPr lang="fr-FR" smtClean="0"/>
-              <a:t>10/08/2016</a:t>
+              <a:t>26/08/2016</a:t>
             </a:fld>
             <a:endParaRPr lang="fr-FR"/>
           </a:p>
@@ -4984,19 +4984,7 @@
                     </a:highlight>
                     <a:latin typeface="Courier New" panose="02070309020205020404" pitchFamily="49" charset="0"/>
                   </a:rPr>
-                  <a:t>    </a:t>
-                </a:r>
-                <a:r>
-                  <a:rPr lang="fr-FR" sz="900" b="1" smtClean="0">
-                    <a:solidFill>
-                      <a:srgbClr val="0000FF"/>
-                    </a:solidFill>
-                    <a:highlight>
-                      <a:srgbClr val="FFFFFF"/>
-                    </a:highlight>
-                    <a:latin typeface="Courier New" panose="02070309020205020404" pitchFamily="49" charset="0"/>
-                  </a:rPr>
-                  <a:t>if</a:t>
+                  <a:t>    if</a:t>
                 </a:r>
                 <a:r>
                   <a:rPr lang="fr-FR" sz="900" b="1" smtClean="0">
@@ -7439,19 +7427,7 @@
                     </a:highlight>
                     <a:latin typeface="Courier New" panose="02070309020205020404" pitchFamily="49" charset="0"/>
                   </a:rPr>
-                  <a:t>    </a:t>
-                </a:r>
-                <a:r>
-                  <a:rPr lang="fr-FR" sz="900" b="1" smtClean="0">
-                    <a:solidFill>
-                      <a:srgbClr val="0000FF"/>
-                    </a:solidFill>
-                    <a:highlight>
-                      <a:srgbClr val="FFFFFF"/>
-                    </a:highlight>
-                    <a:latin typeface="Courier New" panose="02070309020205020404" pitchFamily="49" charset="0"/>
-                  </a:rPr>
-                  <a:t>if</a:t>
+                  <a:t>    if</a:t>
                 </a:r>
                 <a:r>
                   <a:rPr lang="fr-FR" sz="900" b="1" smtClean="0">
@@ -7730,19 +7706,7 @@
                     </a:highlight>
                     <a:latin typeface="Courier New" panose="02070309020205020404" pitchFamily="49" charset="0"/>
                   </a:rPr>
-                  <a:t>                 </a:t>
-                </a:r>
-                <a:r>
-                  <a:rPr lang="fr-FR" sz="900" b="1" smtClean="0">
-                    <a:solidFill>
-                      <a:srgbClr val="000080"/>
-                    </a:solidFill>
-                    <a:highlight>
-                      <a:srgbClr val="FFFFFF"/>
-                    </a:highlight>
-                    <a:latin typeface="Courier New" panose="02070309020205020404" pitchFamily="49" charset="0"/>
-                  </a:rPr>
-                  <a:t>.</a:t>
+                  <a:t>                 .</a:t>
                 </a:r>
                 <a:r>
                   <a:rPr lang="fr-FR" sz="900" b="0" smtClean="0">
@@ -10357,19 +10321,7 @@
                     </a:highlight>
                     <a:latin typeface="Courier New" panose="02070309020205020404" pitchFamily="49" charset="0"/>
                   </a:rPr>
-                  <a:t>      </a:t>
-                </a:r>
-                <a:r>
-                  <a:rPr lang="fr-FR" sz="900" b="0" smtClean="0">
-                    <a:solidFill>
-                      <a:srgbClr val="8000FF"/>
-                    </a:solidFill>
-                    <a:highlight>
-                      <a:srgbClr val="FFFFFF"/>
-                    </a:highlight>
-                    <a:latin typeface="Courier New" panose="02070309020205020404" pitchFamily="49" charset="0"/>
-                  </a:rPr>
-                  <a:t>unsigned</a:t>
+                  <a:t>      unsigned</a:t>
                 </a:r>
                 <a:r>
                   <a:rPr lang="fr-FR" sz="900" b="0" smtClean="0">
@@ -15418,6 +15370,198 @@
               <a:t>d</a:t>
             </a:r>
             <a:endParaRPr lang="fr-FR" sz="1400"/>
+          </a:p>
+        </p:txBody>
+      </p:sp>
+      <p:sp>
+        <p:nvSpPr>
+          <p:cNvPr id="4" name="Rectangle 3"/>
+          <p:cNvSpPr/>
+          <p:nvPr/>
+        </p:nvSpPr>
+        <p:spPr>
+          <a:xfrm>
+            <a:off x="344205" y="3337697"/>
+            <a:ext cx="2551688" cy="1518709"/>
+          </a:xfrm>
+          <a:prstGeom prst="rect">
+            <a:avLst/>
+          </a:prstGeom>
+          <a:solidFill>
+            <a:srgbClr val="FFFF00">
+              <a:alpha val="50000"/>
+            </a:srgbClr>
+          </a:solidFill>
+          <a:ln>
+            <a:noFill/>
+          </a:ln>
+        </p:spPr>
+        <p:style>
+          <a:lnRef idx="2">
+            <a:schemeClr val="accent1">
+              <a:shade val="50000"/>
+            </a:schemeClr>
+          </a:lnRef>
+          <a:fillRef idx="1">
+            <a:schemeClr val="accent1"/>
+          </a:fillRef>
+          <a:effectRef idx="0">
+            <a:schemeClr val="accent1"/>
+          </a:effectRef>
+          <a:fontRef idx="minor">
+            <a:schemeClr val="lt1"/>
+          </a:fontRef>
+        </p:style>
+        <p:txBody>
+          <a:bodyPr rtlCol="0" anchor="ctr"/>
+          <a:lstStyle/>
+          <a:p>
+            <a:pPr algn="ctr"/>
+            <a:endParaRPr lang="fr-FR"/>
+          </a:p>
+        </p:txBody>
+      </p:sp>
+      <p:sp>
+        <p:nvSpPr>
+          <p:cNvPr id="24" name="Rectangle 23"/>
+          <p:cNvSpPr/>
+          <p:nvPr/>
+        </p:nvSpPr>
+        <p:spPr>
+          <a:xfrm>
+            <a:off x="6305695" y="3183657"/>
+            <a:ext cx="2551688" cy="2322911"/>
+          </a:xfrm>
+          <a:prstGeom prst="rect">
+            <a:avLst/>
+          </a:prstGeom>
+          <a:solidFill>
+            <a:srgbClr val="00B0F0">
+              <a:alpha val="50000"/>
+            </a:srgbClr>
+          </a:solidFill>
+          <a:ln>
+            <a:noFill/>
+          </a:ln>
+        </p:spPr>
+        <p:style>
+          <a:lnRef idx="2">
+            <a:schemeClr val="accent1">
+              <a:shade val="50000"/>
+            </a:schemeClr>
+          </a:lnRef>
+          <a:fillRef idx="1">
+            <a:schemeClr val="accent1"/>
+          </a:fillRef>
+          <a:effectRef idx="0">
+            <a:schemeClr val="accent1"/>
+          </a:effectRef>
+          <a:fontRef idx="minor">
+            <a:schemeClr val="lt1"/>
+          </a:fontRef>
+        </p:style>
+        <p:txBody>
+          <a:bodyPr rtlCol="0" anchor="ctr"/>
+          <a:lstStyle/>
+          <a:p>
+            <a:pPr algn="ctr"/>
+            <a:endParaRPr lang="fr-FR"/>
+          </a:p>
+        </p:txBody>
+      </p:sp>
+      <p:sp>
+        <p:nvSpPr>
+          <p:cNvPr id="25" name="Rectangle 24"/>
+          <p:cNvSpPr/>
+          <p:nvPr/>
+        </p:nvSpPr>
+        <p:spPr>
+          <a:xfrm>
+            <a:off x="3300414" y="3327702"/>
+            <a:ext cx="2551688" cy="1518709"/>
+          </a:xfrm>
+          <a:prstGeom prst="rect">
+            <a:avLst/>
+          </a:prstGeom>
+          <a:solidFill>
+            <a:srgbClr val="FFFF00">
+              <a:alpha val="50000"/>
+            </a:srgbClr>
+          </a:solidFill>
+          <a:ln>
+            <a:noFill/>
+          </a:ln>
+        </p:spPr>
+        <p:style>
+          <a:lnRef idx="2">
+            <a:schemeClr val="accent1">
+              <a:shade val="50000"/>
+            </a:schemeClr>
+          </a:lnRef>
+          <a:fillRef idx="1">
+            <a:schemeClr val="accent1"/>
+          </a:fillRef>
+          <a:effectRef idx="0">
+            <a:schemeClr val="accent1"/>
+          </a:effectRef>
+          <a:fontRef idx="minor">
+            <a:schemeClr val="lt1"/>
+          </a:fontRef>
+        </p:style>
+        <p:txBody>
+          <a:bodyPr rtlCol="0" anchor="ctr"/>
+          <a:lstStyle/>
+          <a:p>
+            <a:pPr algn="ctr"/>
+            <a:endParaRPr lang="fr-FR"/>
+          </a:p>
+        </p:txBody>
+      </p:sp>
+      <p:sp>
+        <p:nvSpPr>
+          <p:cNvPr id="26" name="Rectangle 25"/>
+          <p:cNvSpPr/>
+          <p:nvPr/>
+        </p:nvSpPr>
+        <p:spPr>
+          <a:xfrm>
+            <a:off x="9419754" y="3206555"/>
+            <a:ext cx="2622872" cy="1392605"/>
+          </a:xfrm>
+          <a:prstGeom prst="rect">
+            <a:avLst/>
+          </a:prstGeom>
+          <a:solidFill>
+            <a:srgbClr val="00B0F0">
+              <a:alpha val="50000"/>
+            </a:srgbClr>
+          </a:solidFill>
+          <a:ln>
+            <a:noFill/>
+          </a:ln>
+        </p:spPr>
+        <p:style>
+          <a:lnRef idx="2">
+            <a:schemeClr val="accent1">
+              <a:shade val="50000"/>
+            </a:schemeClr>
+          </a:lnRef>
+          <a:fillRef idx="1">
+            <a:schemeClr val="accent1"/>
+          </a:fillRef>
+          <a:effectRef idx="0">
+            <a:schemeClr val="accent1"/>
+          </a:effectRef>
+          <a:fontRef idx="minor">
+            <a:schemeClr val="lt1"/>
+          </a:fontRef>
+        </p:style>
+        <p:txBody>
+          <a:bodyPr rtlCol="0" anchor="ctr"/>
+          <a:lstStyle/>
+          <a:p>
+            <a:pPr algn="ctr"/>
+            <a:endParaRPr lang="fr-FR"/>
           </a:p>
         </p:txBody>
       </p:sp>
